--- a/CafeteriaPrototypePresentation.pptx
+++ b/CafeteriaPrototypePresentation.pptx
@@ -11,10 +11,10 @@
     <p:handoutMasterId r:id="rId11"/>
   </p:handoutMasterIdLst>
   <p:sldIdLst>
-    <p:sldId id="306" r:id="rId5"/>
-    <p:sldId id="307" r:id="rId6"/>
+    <p:sldId id="307" r:id="rId5"/>
+    <p:sldId id="310" r:id="rId6"/>
     <p:sldId id="309" r:id="rId7"/>
-    <p:sldId id="310" r:id="rId8"/>
+    <p:sldId id="312" r:id="rId8"/>
     <p:sldId id="311" r:id="rId9"/>
   </p:sldIdLst>
   <p:sldSz cx="12192000" cy="6858000"/>
@@ -241,7 +241,7 @@
           <a:p>
             <a:fld id="{0D4F08B9-05AB-4D01-8DEA-11450C7B59EE}" type="datetime1">
               <a:rPr lang="da-DK" smtClean="0"/>
-              <a:t>28-10-2022</a:t>
+              <a:t>03-11-2022</a:t>
             </a:fld>
             <a:endParaRPr lang="da-DK" dirty="0"/>
           </a:p>
@@ -421,7 +421,7 @@
             <a:fld id="{7E6CD5D9-3242-4131-98BC-E4286A18D855}" type="datetime1">
               <a:rPr lang="da-DK" smtClean="0"/>
               <a:pPr/>
-              <a:t>28-10-2022</a:t>
+              <a:t>03-11-2022</a:t>
             </a:fld>
             <a:endParaRPr lang="da-DK" dirty="0"/>
           </a:p>
@@ -767,7 +767,7 @@
     </p:spTree>
     <p:extLst>
       <p:ext uri="{BB962C8B-B14F-4D97-AF65-F5344CB8AC3E}">
-        <p14:creationId xmlns:p14="http://schemas.microsoft.com/office/powerpoint/2010/main" val="546707957"/>
+        <p14:creationId xmlns:p14="http://schemas.microsoft.com/office/powerpoint/2010/main" val="1799760081"/>
       </p:ext>
     </p:extLst>
   </p:cSld>
@@ -843,7 +843,7 @@
             <a:pPr rtl="0"/>
             <a:fld id="{D5939589-3E79-4C82-AA4A-FE78234FAA59}" type="slidenum">
               <a:rPr lang="da-DK" smtClean="0"/>
-              <a:t>2</a:t>
+              <a:t>3</a:t>
             </a:fld>
             <a:endParaRPr lang="da-DK"/>
           </a:p>
@@ -852,7 +852,7 @@
     </p:spTree>
     <p:extLst>
       <p:ext uri="{BB962C8B-B14F-4D97-AF65-F5344CB8AC3E}">
-        <p14:creationId xmlns:p14="http://schemas.microsoft.com/office/powerpoint/2010/main" val="1799760081"/>
+        <p14:creationId xmlns:p14="http://schemas.microsoft.com/office/powerpoint/2010/main" val="2051424549"/>
       </p:ext>
     </p:extLst>
   </p:cSld>
@@ -928,7 +928,7 @@
             <a:pPr rtl="0"/>
             <a:fld id="{D5939589-3E79-4C82-AA4A-FE78234FAA59}" type="slidenum">
               <a:rPr lang="da-DK" smtClean="0"/>
-              <a:t>3</a:t>
+              <a:t>4</a:t>
             </a:fld>
             <a:endParaRPr lang="da-DK"/>
           </a:p>
@@ -937,7 +937,7 @@
     </p:spTree>
     <p:extLst>
       <p:ext uri="{BB962C8B-B14F-4D97-AF65-F5344CB8AC3E}">
-        <p14:creationId xmlns:p14="http://schemas.microsoft.com/office/powerpoint/2010/main" val="2051424549"/>
+        <p14:creationId xmlns:p14="http://schemas.microsoft.com/office/powerpoint/2010/main" val="1301855559"/>
       </p:ext>
     </p:extLst>
   </p:cSld>
@@ -11722,10 +11722,10 @@
       </p:grpSpPr>
       <p:sp>
         <p:nvSpPr>
-          <p:cNvPr id="2" name="Titel 1">
-            <a:extLst>
-              <a:ext uri="{FF2B5EF4-FFF2-40B4-BE49-F238E27FC236}">
-                <a16:creationId xmlns:a16="http://schemas.microsoft.com/office/drawing/2014/main" id="{C3A9968B-2619-4F71-AB00-4C493E120805}"/>
+          <p:cNvPr id="3" name="Titel 2">
+            <a:extLst>
+              <a:ext uri="{FF2B5EF4-FFF2-40B4-BE49-F238E27FC236}">
+                <a16:creationId xmlns:a16="http://schemas.microsoft.com/office/drawing/2014/main" id="{1DDBBC93-70DF-4E4E-98E3-08124185AB18}"/>
               </a:ext>
             </a:extLst>
           </p:cNvPr>
@@ -11733,7 +11733,7 @@
             <a:spLocks noGrp="1"/>
           </p:cNvSpPr>
           <p:nvPr>
-            <p:ph type="ctrTitle"/>
+            <p:ph type="title"/>
           </p:nvPr>
         </p:nvSpPr>
         <p:spPr/>
@@ -11743,23 +11743,34 @@
           <a:p>
             <a:pPr rtl="0"/>
             <a:r>
-              <a:rPr lang="da-DK" sz="5400" spc="400" dirty="0">
+              <a:rPr lang="da-DK" dirty="0">
+                <a:latin typeface="+mn-lt"/>
+              </a:rPr>
+              <a:t>Cafete</a:t>
+            </a:r>
+            <a:r>
+              <a:rPr lang="da-DK" dirty="0">
                 <a:solidFill>
-                  <a:schemeClr val="bg1"/>
+                  <a:srgbClr val="C00000"/>
                 </a:solidFill>
+                <a:latin typeface="+mn-lt"/>
               </a:rPr>
-              <a:t>Cafeteria</a:t>
-            </a:r>
-            <a:endParaRPr lang="da-DK" dirty="0"/>
-          </a:p>
-        </p:txBody>
-      </p:sp>
-      <p:sp>
-        <p:nvSpPr>
-          <p:cNvPr id="3" name="Undertitel 2">
-            <a:extLst>
-              <a:ext uri="{FF2B5EF4-FFF2-40B4-BE49-F238E27FC236}">
-                <a16:creationId xmlns:a16="http://schemas.microsoft.com/office/drawing/2014/main" id="{A5F14073-9F68-4B7E-A576-26899D58C7A9}"/>
+              <a:t>ria</a:t>
+            </a:r>
+            <a:endParaRPr lang="da-DK" dirty="0">
+              <a:solidFill>
+                <a:srgbClr val="C00000"/>
+              </a:solidFill>
+            </a:endParaRPr>
+          </a:p>
+        </p:txBody>
+      </p:sp>
+      <p:sp>
+        <p:nvSpPr>
+          <p:cNvPr id="4" name="Pladsholder til tekst 3">
+            <a:extLst>
+              <a:ext uri="{FF2B5EF4-FFF2-40B4-BE49-F238E27FC236}">
+                <a16:creationId xmlns:a16="http://schemas.microsoft.com/office/drawing/2014/main" id="{65DE74E9-AA78-46C1-845A-0B72FA8AF35E}"/>
               </a:ext>
             </a:extLst>
           </p:cNvPr>
@@ -11767,19 +11778,17 @@
             <a:spLocks noGrp="1"/>
           </p:cNvSpPr>
           <p:nvPr>
-            <p:ph type="subTitle" idx="1"/>
+            <p:ph type="body" sz="quarter" idx="13"/>
           </p:nvPr>
         </p:nvSpPr>
         <p:spPr/>
         <p:txBody>
-          <a:bodyPr rtlCol="0">
-            <a:normAutofit fontScale="85000" lnSpcReduction="20000"/>
-          </a:bodyPr>
+          <a:bodyPr rtlCol="0"/>
           <a:lstStyle/>
           <a:p>
             <a:pPr rtl="0"/>
             <a:r>
-              <a:rPr lang="da-DK" sz="2000" dirty="0">
+              <a:rPr lang="da-DK" sz="1800" dirty="0">
                 <a:solidFill>
                   <a:schemeClr val="bg1"/>
                 </a:solidFill>
@@ -11797,7 +11806,7 @@
           <a:p>
             <a:pPr rtl="0"/>
             <a:r>
-              <a:rPr lang="da-DK" sz="2000" dirty="0">
+              <a:rPr lang="da-DK" sz="1800" dirty="0">
                 <a:solidFill>
                   <a:schemeClr val="bg1"/>
                 </a:solidFill>
@@ -11811,22 +11820,163 @@
               <a:rPr lang="da-DK" dirty="0"/>
               <a:t>Jonathan</a:t>
             </a:r>
-            <a:endParaRPr lang="da-DK" sz="2000" dirty="0">
+            <a:endParaRPr lang="da-DK" sz="1800" dirty="0">
               <a:solidFill>
                 <a:schemeClr val="bg1"/>
               </a:solidFill>
             </a:endParaRPr>
           </a:p>
           <a:p>
+            <a:pPr algn="r" rtl="0"/>
+            <a:br>
+              <a:rPr lang="da-DK" dirty="0"/>
+            </a:br>
+            <a:endParaRPr lang="da-DK" sz="1800" dirty="0">
+              <a:solidFill>
+                <a:schemeClr val="bg1"/>
+              </a:solidFill>
+            </a:endParaRPr>
+          </a:p>
+          <a:p>
+            <a:pPr algn="r" rtl="0"/>
+            <a:r>
+              <a:rPr lang="da-DK" sz="1800" dirty="0">
+                <a:solidFill>
+                  <a:schemeClr val="bg1"/>
+                </a:solidFill>
+              </a:rPr>
+              <a:t>Architecture</a:t>
+            </a:r>
+          </a:p>
+          <a:p>
+            <a:pPr algn="r" rtl="0"/>
+            <a:r>
+              <a:rPr lang="da-DK" sz="1800" dirty="0">
+                <a:solidFill>
+                  <a:schemeClr val="bg1"/>
+                </a:solidFill>
+              </a:rPr>
+              <a:t>Prototype</a:t>
+            </a:r>
+          </a:p>
+        </p:txBody>
+      </p:sp>
+      <p:pic>
+        <p:nvPicPr>
+          <p:cNvPr id="6" name="Pladsholder til billede 5" descr="bjerge ved solnedgang">
+            <a:extLst>
+              <a:ext uri="{FF2B5EF4-FFF2-40B4-BE49-F238E27FC236}">
+                <a16:creationId xmlns:a16="http://schemas.microsoft.com/office/drawing/2014/main" id="{4642631A-6ABE-41EA-A308-9CF1230F1421}"/>
+              </a:ext>
+            </a:extLst>
+          </p:cNvPr>
+          <p:cNvPicPr>
+            <a:picLocks noGrp="1" noChangeAspect="1"/>
+          </p:cNvPicPr>
+          <p:nvPr>
+            <p:ph type="pic" sz="quarter" idx="14"/>
+          </p:nvPr>
+        </p:nvPicPr>
+        <p:blipFill rotWithShape="1">
+          <a:blip r:embed="rId3"/>
+          <a:srcRect/>
+          <a:stretch/>
+        </p:blipFill>
+        <p:spPr/>
+      </p:pic>
+      <p:sp>
+        <p:nvSpPr>
+          <p:cNvPr id="7" name="Pladsholder til dato 6">
+            <a:extLst>
+              <a:ext uri="{FF2B5EF4-FFF2-40B4-BE49-F238E27FC236}">
+                <a16:creationId xmlns:a16="http://schemas.microsoft.com/office/drawing/2014/main" id="{05C25F72-F9A7-42F9-9720-0801ED77D4D1}"/>
+              </a:ext>
+            </a:extLst>
+          </p:cNvPr>
+          <p:cNvSpPr>
+            <a:spLocks noGrp="1"/>
+          </p:cNvSpPr>
+          <p:nvPr>
+            <p:ph type="dt" sz="half" idx="10"/>
+          </p:nvPr>
+        </p:nvSpPr>
+        <p:spPr/>
+        <p:txBody>
+          <a:bodyPr rtlCol="0"/>
+          <a:lstStyle/>
+          <a:p>
             <a:pPr rtl="0"/>
-            <a:endParaRPr lang="da-DK" dirty="0"/>
+            <a:r>
+              <a:rPr lang="da-DK" dirty="0"/>
+              <a:t>4/11/2022</a:t>
+            </a:r>
+          </a:p>
+        </p:txBody>
+      </p:sp>
+      <p:sp>
+        <p:nvSpPr>
+          <p:cNvPr id="8" name="Pladsholder til sidefod 7">
+            <a:extLst>
+              <a:ext uri="{FF2B5EF4-FFF2-40B4-BE49-F238E27FC236}">
+                <a16:creationId xmlns:a16="http://schemas.microsoft.com/office/drawing/2014/main" id="{AEEDFC2F-FF0A-4EC9-A0BB-0AA2B1E6BA4A}"/>
+              </a:ext>
+            </a:extLst>
+          </p:cNvPr>
+          <p:cNvSpPr>
+            <a:spLocks noGrp="1"/>
+          </p:cNvSpPr>
+          <p:nvPr>
+            <p:ph type="ftr" sz="quarter" idx="11"/>
+          </p:nvPr>
+        </p:nvSpPr>
+        <p:spPr/>
+        <p:txBody>
+          <a:bodyPr rtlCol="0"/>
+          <a:lstStyle/>
+          <a:p>
+            <a:pPr rtl="0"/>
+            <a:r>
+              <a:rPr lang="da-DK" dirty="0"/>
+              <a:t>Cafeteria</a:t>
+            </a:r>
+          </a:p>
+        </p:txBody>
+      </p:sp>
+      <p:sp>
+        <p:nvSpPr>
+          <p:cNvPr id="9" name="Pladsholder til slidenummer 8">
+            <a:extLst>
+              <a:ext uri="{FF2B5EF4-FFF2-40B4-BE49-F238E27FC236}">
+                <a16:creationId xmlns:a16="http://schemas.microsoft.com/office/drawing/2014/main" id="{6DCF8D89-56D9-4E2B-9838-07DFB6E9D2BB}"/>
+              </a:ext>
+            </a:extLst>
+          </p:cNvPr>
+          <p:cNvSpPr>
+            <a:spLocks noGrp="1"/>
+          </p:cNvSpPr>
+          <p:nvPr>
+            <p:ph type="sldNum" sz="quarter" idx="12"/>
+          </p:nvPr>
+        </p:nvSpPr>
+        <p:spPr/>
+        <p:txBody>
+          <a:bodyPr rtlCol="0"/>
+          <a:lstStyle/>
+          <a:p>
+            <a:pPr rtl="0"/>
+            <a:fld id="{D8DA9DAA-006C-4F4B-980E-E3DF019B24E2}" type="slidenum">
+              <a:rPr lang="da-DK" smtClean="0"/>
+              <a:pPr rtl="0"/>
+              <a:t>1</a:t>
+            </a:fld>
+            <a:endParaRPr lang="da-DK"/>
           </a:p>
         </p:txBody>
       </p:sp>
     </p:spTree>
     <p:extLst>
       <p:ext uri="{BB962C8B-B14F-4D97-AF65-F5344CB8AC3E}">
-        <p14:creationId xmlns:p14="http://schemas.microsoft.com/office/powerpoint/2010/main" val="114769864"/>
+        <p14:creationId xmlns:p14="http://schemas.microsoft.com/office/powerpoint/2010/main" val="1613598062"/>
       </p:ext>
     </p:extLst>
   </p:cSld>
@@ -11855,10 +12005,10 @@
       </p:grpSpPr>
       <p:sp>
         <p:nvSpPr>
-          <p:cNvPr id="3" name="Titel 2">
-            <a:extLst>
-              <a:ext uri="{FF2B5EF4-FFF2-40B4-BE49-F238E27FC236}">
-                <a16:creationId xmlns:a16="http://schemas.microsoft.com/office/drawing/2014/main" id="{1DDBBC93-70DF-4E4E-98E3-08124185AB18}"/>
+          <p:cNvPr id="2" name="Titel 1">
+            <a:extLst>
+              <a:ext uri="{FF2B5EF4-FFF2-40B4-BE49-F238E27FC236}">
+                <a16:creationId xmlns:a16="http://schemas.microsoft.com/office/drawing/2014/main" id="{70B86AE6-9D74-4918-9245-23094E1C6475}"/>
               </a:ext>
             </a:extLst>
           </p:cNvPr>
@@ -11866,188 +12016,232 @@
             <a:spLocks noGrp="1"/>
           </p:cNvSpPr>
           <p:nvPr>
-            <p:ph type="title"/>
+            <p:ph type="ctrTitle"/>
           </p:nvPr>
         </p:nvSpPr>
-        <p:spPr/>
-        <p:txBody>
-          <a:bodyPr rtlCol="0"/>
+        <p:spPr>
+          <a:xfrm>
+            <a:off x="1701800" y="618683"/>
+            <a:ext cx="8593667" cy="907627"/>
+          </a:xfrm>
+        </p:spPr>
+        <p:txBody>
+          <a:bodyPr>
+            <a:normAutofit fontScale="90000"/>
+          </a:bodyPr>
           <a:lstStyle/>
           <a:p>
-            <a:pPr rtl="0"/>
-            <a:r>
-              <a:rPr lang="da-DK" b="1" cap="all" spc="400" dirty="0">
-                <a:solidFill>
-                  <a:schemeClr val="bg1"/>
-                </a:solidFill>
-                <a:latin typeface="+mn-lt"/>
-              </a:rPr>
-              <a:t>Agenda</a:t>
+            <a:r>
+              <a:rPr lang="da-DK" dirty="0"/>
+              <a:t>Overview</a:t>
+            </a:r>
+          </a:p>
+        </p:txBody>
+      </p:sp>
+      <p:sp>
+        <p:nvSpPr>
+          <p:cNvPr id="9" name="Tekstfelt 8">
+            <a:extLst>
+              <a:ext uri="{FF2B5EF4-FFF2-40B4-BE49-F238E27FC236}">
+                <a16:creationId xmlns:a16="http://schemas.microsoft.com/office/drawing/2014/main" id="{4E22059E-6050-4391-86F6-B1B322DEF963}"/>
+              </a:ext>
+            </a:extLst>
+          </p:cNvPr>
+          <p:cNvSpPr txBox="1"/>
+          <p:nvPr/>
+        </p:nvSpPr>
+        <p:spPr>
+          <a:xfrm>
+            <a:off x="6428509" y="2161309"/>
+            <a:ext cx="5652655" cy="1754326"/>
+          </a:xfrm>
+          <a:prstGeom prst="rect">
+            <a:avLst/>
+          </a:prstGeom>
+          <a:noFill/>
+        </p:spPr>
+        <p:txBody>
+          <a:bodyPr wrap="square" rtlCol="0">
+            <a:spAutoFit/>
+          </a:bodyPr>
+          <a:lstStyle/>
+          <a:p>
+            <a:pPr marL="285750" indent="-285750">
+              <a:buFont typeface="Arial" panose="020B0604020202020204" pitchFamily="34" charset="0"/>
+              <a:buChar char="•"/>
+            </a:pPr>
+            <a:r>
+              <a:rPr lang="da-DK" dirty="0"/>
+              <a:t>ESP </a:t>
+            </a:r>
+            <a:r>
+              <a:rPr lang="da-DK" dirty="0" err="1"/>
+              <a:t>publishes</a:t>
+            </a:r>
+            <a:r>
+              <a:rPr lang="da-DK" dirty="0"/>
+              <a:t> </a:t>
+            </a:r>
+            <a:r>
+              <a:rPr lang="da-DK" dirty="0" err="1"/>
+              <a:t>door</a:t>
+            </a:r>
+            <a:r>
+              <a:rPr lang="da-DK" dirty="0"/>
+              <a:t> open to broker</a:t>
+            </a:r>
+          </a:p>
+          <a:p>
+            <a:pPr marL="285750" indent="-285750">
+              <a:buFont typeface="Arial" panose="020B0604020202020204" pitchFamily="34" charset="0"/>
+              <a:buChar char="•"/>
+            </a:pPr>
+            <a:r>
+              <a:rPr lang="da-DK" dirty="0"/>
+              <a:t>Mobile app </a:t>
+            </a:r>
+            <a:r>
+              <a:rPr lang="da-DK" dirty="0" err="1"/>
+              <a:t>subscribes</a:t>
+            </a:r>
+            <a:r>
+              <a:rPr lang="da-DK" dirty="0"/>
+              <a:t> to broker. Is </a:t>
+            </a:r>
+            <a:r>
+              <a:rPr lang="da-DK" dirty="0" err="1"/>
+              <a:t>door</a:t>
+            </a:r>
+            <a:r>
+              <a:rPr lang="da-DK" dirty="0"/>
+              <a:t> open?</a:t>
+            </a:r>
+          </a:p>
+          <a:p>
+            <a:pPr marL="285750" indent="-285750">
+              <a:buFont typeface="Arial" panose="020B0604020202020204" pitchFamily="34" charset="0"/>
+              <a:buChar char="•"/>
+            </a:pPr>
+            <a:r>
+              <a:rPr lang="da-DK" dirty="0"/>
+              <a:t>If user </a:t>
+            </a:r>
+            <a:r>
+              <a:rPr lang="da-DK" dirty="0" err="1"/>
+              <a:t>wants</a:t>
+            </a:r>
+            <a:r>
+              <a:rPr lang="da-DK" dirty="0"/>
+              <a:t> to </a:t>
+            </a:r>
+            <a:r>
+              <a:rPr lang="da-DK" dirty="0" err="1"/>
+              <a:t>make</a:t>
+            </a:r>
+            <a:r>
+              <a:rPr lang="da-DK" dirty="0"/>
+              <a:t> </a:t>
+            </a:r>
+            <a:r>
+              <a:rPr lang="da-DK" dirty="0" err="1"/>
+              <a:t>coffee</a:t>
+            </a:r>
+            <a:r>
+              <a:rPr lang="da-DK" dirty="0"/>
+              <a:t> mobile app </a:t>
+            </a:r>
+            <a:r>
+              <a:rPr lang="da-DK" dirty="0" err="1"/>
+              <a:t>publishes</a:t>
+            </a:r>
+            <a:r>
+              <a:rPr lang="da-DK" dirty="0"/>
+              <a:t> it to broker</a:t>
+            </a:r>
+          </a:p>
+          <a:p>
+            <a:pPr marL="285750" indent="-285750">
+              <a:buFont typeface="Arial" panose="020B0604020202020204" pitchFamily="34" charset="0"/>
+              <a:buChar char="•"/>
+            </a:pPr>
+            <a:r>
+              <a:rPr lang="da-DK" dirty="0"/>
+              <a:t>ESP </a:t>
+            </a:r>
+            <a:r>
+              <a:rPr lang="da-DK" dirty="0" err="1"/>
+              <a:t>subscribes</a:t>
+            </a:r>
+            <a:r>
+              <a:rPr lang="da-DK" dirty="0"/>
+              <a:t> to broker to </a:t>
+            </a:r>
+            <a:r>
+              <a:rPr lang="da-DK" dirty="0" err="1"/>
+              <a:t>know</a:t>
+            </a:r>
+            <a:r>
+              <a:rPr lang="da-DK" dirty="0"/>
+              <a:t> </a:t>
+            </a:r>
+            <a:r>
+              <a:rPr lang="da-DK" dirty="0" err="1"/>
+              <a:t>whether</a:t>
+            </a:r>
+            <a:r>
+              <a:rPr lang="da-DK" dirty="0"/>
+              <a:t> to </a:t>
+            </a:r>
+            <a:r>
+              <a:rPr lang="da-DK" dirty="0" err="1"/>
+              <a:t>make</a:t>
+            </a:r>
+            <a:r>
+              <a:rPr lang="da-DK" dirty="0"/>
+              <a:t> </a:t>
+            </a:r>
+            <a:r>
+              <a:rPr lang="da-DK" dirty="0" err="1"/>
+              <a:t>coffee</a:t>
             </a:r>
             <a:endParaRPr lang="da-DK" dirty="0"/>
-          </a:p>
-        </p:txBody>
-      </p:sp>
-      <p:sp>
-        <p:nvSpPr>
-          <p:cNvPr id="4" name="Pladsholder til tekst 3">
-            <a:extLst>
-              <a:ext uri="{FF2B5EF4-FFF2-40B4-BE49-F238E27FC236}">
-                <a16:creationId xmlns:a16="http://schemas.microsoft.com/office/drawing/2014/main" id="{65DE74E9-AA78-46C1-845A-0B72FA8AF35E}"/>
-              </a:ext>
-            </a:extLst>
-          </p:cNvPr>
-          <p:cNvSpPr>
-            <a:spLocks noGrp="1"/>
-          </p:cNvSpPr>
-          <p:nvPr>
-            <p:ph type="body" sz="quarter" idx="13"/>
-          </p:nvPr>
-        </p:nvSpPr>
-        <p:spPr/>
-        <p:txBody>
-          <a:bodyPr rtlCol="0"/>
-          <a:lstStyle/>
-          <a:p>
-            <a:pPr algn="r" rtl="0"/>
-            <a:r>
-              <a:rPr lang="da-DK" sz="1800" dirty="0">
-                <a:solidFill>
-                  <a:schemeClr val="bg1"/>
-                </a:solidFill>
-              </a:rPr>
-              <a:t>Architecture</a:t>
-            </a:r>
-          </a:p>
-          <a:p>
-            <a:pPr algn="r" rtl="0"/>
-            <a:r>
-              <a:rPr lang="da-DK" sz="1800" dirty="0">
-                <a:solidFill>
-                  <a:schemeClr val="bg1"/>
-                </a:solidFill>
-              </a:rPr>
-              <a:t>Prototype</a:t>
-            </a:r>
           </a:p>
         </p:txBody>
       </p:sp>
       <p:pic>
         <p:nvPicPr>
-          <p:cNvPr id="6" name="Pladsholder til billede 5" descr="bjerge ved solnedgang">
-            <a:extLst>
-              <a:ext uri="{FF2B5EF4-FFF2-40B4-BE49-F238E27FC236}">
-                <a16:creationId xmlns:a16="http://schemas.microsoft.com/office/drawing/2014/main" id="{4642631A-6ABE-41EA-A308-9CF1230F1421}"/>
+          <p:cNvPr id="11" name="Billede 10">
+            <a:extLst>
+              <a:ext uri="{FF2B5EF4-FFF2-40B4-BE49-F238E27FC236}">
+                <a16:creationId xmlns:a16="http://schemas.microsoft.com/office/drawing/2014/main" id="{E301947D-3FC2-46EA-A973-6D40AC2843F7}"/>
               </a:ext>
             </a:extLst>
           </p:cNvPr>
           <p:cNvPicPr>
-            <a:picLocks noGrp="1" noChangeAspect="1"/>
+            <a:picLocks noChangeAspect="1"/>
           </p:cNvPicPr>
-          <p:nvPr>
-            <p:ph type="pic" sz="quarter" idx="14"/>
-          </p:nvPr>
+          <p:nvPr/>
         </p:nvPicPr>
-        <p:blipFill rotWithShape="1">
-          <a:blip r:embed="rId3"/>
-          <a:srcRect/>
-          <a:stretch/>
+        <p:blipFill>
+          <a:blip r:embed="rId2"/>
+          <a:stretch>
+            <a:fillRect/>
+          </a:stretch>
         </p:blipFill>
-        <p:spPr/>
+        <p:spPr>
+          <a:xfrm>
+            <a:off x="605820" y="1441900"/>
+            <a:ext cx="4705079" cy="4824095"/>
+          </a:xfrm>
+          <a:prstGeom prst="rect">
+            <a:avLst/>
+          </a:prstGeom>
+        </p:spPr>
       </p:pic>
-      <p:sp>
-        <p:nvSpPr>
-          <p:cNvPr id="7" name="Pladsholder til dato 6">
-            <a:extLst>
-              <a:ext uri="{FF2B5EF4-FFF2-40B4-BE49-F238E27FC236}">
-                <a16:creationId xmlns:a16="http://schemas.microsoft.com/office/drawing/2014/main" id="{05C25F72-F9A7-42F9-9720-0801ED77D4D1}"/>
-              </a:ext>
-            </a:extLst>
-          </p:cNvPr>
-          <p:cNvSpPr>
-            <a:spLocks noGrp="1"/>
-          </p:cNvSpPr>
-          <p:nvPr>
-            <p:ph type="dt" sz="half" idx="10"/>
-          </p:nvPr>
-        </p:nvSpPr>
-        <p:spPr/>
-        <p:txBody>
-          <a:bodyPr rtlCol="0"/>
-          <a:lstStyle/>
-          <a:p>
-            <a:pPr rtl="0"/>
-            <a:r>
-              <a:rPr lang="da-DK" dirty="0"/>
-              <a:t>4/11/2022</a:t>
-            </a:r>
-          </a:p>
-        </p:txBody>
-      </p:sp>
-      <p:sp>
-        <p:nvSpPr>
-          <p:cNvPr id="8" name="Pladsholder til sidefod 7">
-            <a:extLst>
-              <a:ext uri="{FF2B5EF4-FFF2-40B4-BE49-F238E27FC236}">
-                <a16:creationId xmlns:a16="http://schemas.microsoft.com/office/drawing/2014/main" id="{AEEDFC2F-FF0A-4EC9-A0BB-0AA2B1E6BA4A}"/>
-              </a:ext>
-            </a:extLst>
-          </p:cNvPr>
-          <p:cNvSpPr>
-            <a:spLocks noGrp="1"/>
-          </p:cNvSpPr>
-          <p:nvPr>
-            <p:ph type="ftr" sz="quarter" idx="11"/>
-          </p:nvPr>
-        </p:nvSpPr>
-        <p:spPr/>
-        <p:txBody>
-          <a:bodyPr rtlCol="0"/>
-          <a:lstStyle/>
-          <a:p>
-            <a:pPr rtl="0"/>
-            <a:r>
-              <a:rPr lang="da-DK" dirty="0"/>
-              <a:t>Cafeteria</a:t>
-            </a:r>
-          </a:p>
-        </p:txBody>
-      </p:sp>
-      <p:sp>
-        <p:nvSpPr>
-          <p:cNvPr id="9" name="Pladsholder til slidenummer 8">
-            <a:extLst>
-              <a:ext uri="{FF2B5EF4-FFF2-40B4-BE49-F238E27FC236}">
-                <a16:creationId xmlns:a16="http://schemas.microsoft.com/office/drawing/2014/main" id="{6DCF8D89-56D9-4E2B-9838-07DFB6E9D2BB}"/>
-              </a:ext>
-            </a:extLst>
-          </p:cNvPr>
-          <p:cNvSpPr>
-            <a:spLocks noGrp="1"/>
-          </p:cNvSpPr>
-          <p:nvPr>
-            <p:ph type="sldNum" sz="quarter" idx="12"/>
-          </p:nvPr>
-        </p:nvSpPr>
-        <p:spPr/>
-        <p:txBody>
-          <a:bodyPr rtlCol="0"/>
-          <a:lstStyle/>
-          <a:p>
-            <a:pPr rtl="0"/>
-            <a:fld id="{D8DA9DAA-006C-4F4B-980E-E3DF019B24E2}" type="slidenum">
-              <a:rPr lang="da-DK" smtClean="0"/>
-              <a:pPr/>
-              <a:t>2</a:t>
-            </a:fld>
-            <a:endParaRPr lang="da-DK"/>
-          </a:p>
-        </p:txBody>
-      </p:sp>
     </p:spTree>
     <p:extLst>
       <p:ext uri="{BB962C8B-B14F-4D97-AF65-F5344CB8AC3E}">
-        <p14:creationId xmlns:p14="http://schemas.microsoft.com/office/powerpoint/2010/main" val="1613598062"/>
+        <p14:creationId xmlns:p14="http://schemas.microsoft.com/office/powerpoint/2010/main" val="2520854865"/>
       </p:ext>
     </p:extLst>
   </p:cSld>
@@ -12155,7 +12349,7 @@
         </p:blipFill>
         <p:spPr>
           <a:xfrm>
-            <a:off x="3844961" y="1814945"/>
+            <a:off x="3844961" y="1771813"/>
             <a:ext cx="4171877" cy="4568306"/>
           </a:xfrm>
           <a:prstGeom prst="rect">
@@ -12198,7 +12392,7 @@
           <p:cNvPr id="2" name="Titel 1">
             <a:extLst>
               <a:ext uri="{FF2B5EF4-FFF2-40B4-BE49-F238E27FC236}">
-                <a16:creationId xmlns:a16="http://schemas.microsoft.com/office/drawing/2014/main" id="{70B86AE6-9D74-4918-9245-23094E1C6475}"/>
+                <a16:creationId xmlns:a16="http://schemas.microsoft.com/office/drawing/2014/main" id="{C5F2FB0B-15EC-453B-BC9B-69AD35DDCEA3}"/>
               </a:ext>
             </a:extLst>
           </p:cNvPr>
@@ -12211,199 +12405,387 @@
         </p:nvSpPr>
         <p:spPr>
           <a:xfrm>
-            <a:off x="1701800" y="618683"/>
-            <a:ext cx="8593667" cy="907627"/>
+            <a:off x="2040467" y="650240"/>
+            <a:ext cx="7780867" cy="1026160"/>
           </a:xfrm>
         </p:spPr>
         <p:txBody>
-          <a:bodyPr>
-            <a:normAutofit fontScale="90000"/>
+          <a:bodyPr rtlCol="0">
+            <a:normAutofit/>
           </a:bodyPr>
           <a:lstStyle/>
           <a:p>
+            <a:pPr rtl="0"/>
             <a:r>
               <a:rPr lang="da-DK" dirty="0"/>
-              <a:t>Overview</a:t>
-            </a:r>
-          </a:p>
-        </p:txBody>
-      </p:sp>
-      <p:sp>
-        <p:nvSpPr>
-          <p:cNvPr id="9" name="Tekstfelt 8">
-            <a:extLst>
-              <a:ext uri="{FF2B5EF4-FFF2-40B4-BE49-F238E27FC236}">
-                <a16:creationId xmlns:a16="http://schemas.microsoft.com/office/drawing/2014/main" id="{4E22059E-6050-4391-86F6-B1B322DEF963}"/>
-              </a:ext>
-            </a:extLst>
-          </p:cNvPr>
-          <p:cNvSpPr txBox="1"/>
+              <a:t>Prototype</a:t>
+            </a:r>
+          </a:p>
+        </p:txBody>
+      </p:sp>
+      <p:pic>
+        <p:nvPicPr>
+          <p:cNvPr id="2050" name="Picture 2" descr="ESP32-DevKitC-32UE Espressif Systems | Mouser Denmark">
+            <a:extLst>
+              <a:ext uri="{FF2B5EF4-FFF2-40B4-BE49-F238E27FC236}">
+                <a16:creationId xmlns:a16="http://schemas.microsoft.com/office/drawing/2014/main" id="{581701D4-64A7-4044-F2CB-24F26EAA91AC}"/>
+              </a:ext>
+            </a:extLst>
+          </p:cNvPr>
+          <p:cNvPicPr>
+            <a:picLocks noChangeAspect="1" noChangeArrowheads="1"/>
+          </p:cNvPicPr>
           <p:nvPr/>
-        </p:nvSpPr>
-        <p:spPr>
-          <a:xfrm>
-            <a:off x="6428509" y="2161309"/>
-            <a:ext cx="5652655" cy="1754326"/>
+        </p:nvPicPr>
+        <p:blipFill>
+          <a:blip r:embed="rId3">
+            <a:extLst>
+              <a:ext uri="{BEBA8EAE-BF5A-486C-A8C5-ECC9F3942E4B}">
+                <a14:imgProps xmlns:a14="http://schemas.microsoft.com/office/drawing/2010/main">
+                  <a14:imgLayer r:embed="rId4">
+                    <a14:imgEffect>
+                      <a14:backgroundRemoval t="9500" b="90000" l="9888" r="89888">
+                        <a14:foregroundMark x1="76629" y1="10000" x2="23596" y2="9500"/>
+                      </a14:backgroundRemoval>
+                    </a14:imgEffect>
+                  </a14:imgLayer>
+                </a14:imgProps>
+              </a:ext>
+              <a:ext uri="{28A0092B-C50C-407E-A947-70E740481C1C}">
+                <a14:useLocalDpi xmlns:a14="http://schemas.microsoft.com/office/drawing/2010/main" val="0"/>
+              </a:ext>
+            </a:extLst>
+          </a:blip>
+          <a:srcRect/>
+          <a:stretch>
+            <a:fillRect/>
+          </a:stretch>
+        </p:blipFill>
+        <p:spPr bwMode="auto">
+          <a:xfrm rot="16200000">
+            <a:off x="2300819" y="2048588"/>
+            <a:ext cx="1694582" cy="2284830"/>
           </a:xfrm>
           <a:prstGeom prst="rect">
             <a:avLst/>
           </a:prstGeom>
           <a:noFill/>
+          <a:extLst>
+            <a:ext uri="{909E8E84-426E-40DD-AFC4-6F175D3DCCD1}">
+              <a14:hiddenFill xmlns:a14="http://schemas.microsoft.com/office/drawing/2010/main">
+                <a:solidFill>
+                  <a:srgbClr val="FFFFFF"/>
+                </a:solidFill>
+              </a14:hiddenFill>
+            </a:ext>
+          </a:extLst>
         </p:spPr>
-        <p:txBody>
-          <a:bodyPr wrap="square" rtlCol="0">
-            <a:spAutoFit/>
-          </a:bodyPr>
-          <a:lstStyle/>
-          <a:p>
-            <a:pPr marL="285750" indent="-285750">
-              <a:buFont typeface="Arial" panose="020B0604020202020204" pitchFamily="34" charset="0"/>
-              <a:buChar char="•"/>
-            </a:pPr>
-            <a:r>
-              <a:rPr lang="da-DK" dirty="0"/>
-              <a:t>ESP </a:t>
-            </a:r>
-            <a:r>
-              <a:rPr lang="da-DK" dirty="0" err="1"/>
-              <a:t>publishes</a:t>
-            </a:r>
-            <a:r>
-              <a:rPr lang="da-DK" dirty="0"/>
-              <a:t> </a:t>
-            </a:r>
-            <a:r>
-              <a:rPr lang="da-DK" dirty="0" err="1"/>
-              <a:t>door</a:t>
-            </a:r>
-            <a:r>
-              <a:rPr lang="da-DK" dirty="0"/>
-              <a:t> open to broker</a:t>
-            </a:r>
-          </a:p>
-          <a:p>
-            <a:pPr marL="285750" indent="-285750">
-              <a:buFont typeface="Arial" panose="020B0604020202020204" pitchFamily="34" charset="0"/>
-              <a:buChar char="•"/>
-            </a:pPr>
-            <a:r>
-              <a:rPr lang="da-DK" dirty="0"/>
-              <a:t>Mobile app </a:t>
-            </a:r>
-            <a:r>
-              <a:rPr lang="da-DK" dirty="0" err="1"/>
-              <a:t>subscribes</a:t>
-            </a:r>
-            <a:r>
-              <a:rPr lang="da-DK" dirty="0"/>
-              <a:t> to broker. Is </a:t>
-            </a:r>
-            <a:r>
-              <a:rPr lang="da-DK" dirty="0" err="1"/>
-              <a:t>door</a:t>
-            </a:r>
-            <a:r>
-              <a:rPr lang="da-DK" dirty="0"/>
-              <a:t> open?</a:t>
-            </a:r>
-          </a:p>
-          <a:p>
-            <a:pPr marL="285750" indent="-285750">
-              <a:buFont typeface="Arial" panose="020B0604020202020204" pitchFamily="34" charset="0"/>
-              <a:buChar char="•"/>
-            </a:pPr>
-            <a:r>
-              <a:rPr lang="da-DK" dirty="0"/>
-              <a:t>If user </a:t>
-            </a:r>
-            <a:r>
-              <a:rPr lang="da-DK" dirty="0" err="1"/>
-              <a:t>wants</a:t>
-            </a:r>
-            <a:r>
-              <a:rPr lang="da-DK" dirty="0"/>
-              <a:t> to </a:t>
-            </a:r>
-            <a:r>
-              <a:rPr lang="da-DK" dirty="0" err="1"/>
-              <a:t>make</a:t>
-            </a:r>
-            <a:r>
-              <a:rPr lang="da-DK" dirty="0"/>
-              <a:t> </a:t>
-            </a:r>
-            <a:r>
-              <a:rPr lang="da-DK" dirty="0" err="1"/>
-              <a:t>coffee</a:t>
-            </a:r>
-            <a:r>
-              <a:rPr lang="da-DK" dirty="0"/>
-              <a:t> mobile app </a:t>
-            </a:r>
-            <a:r>
-              <a:rPr lang="da-DK" dirty="0" err="1"/>
-              <a:t>publishes</a:t>
-            </a:r>
-            <a:r>
-              <a:rPr lang="da-DK" dirty="0"/>
-              <a:t> it to broker</a:t>
-            </a:r>
-          </a:p>
-          <a:p>
-            <a:pPr marL="285750" indent="-285750">
-              <a:buFont typeface="Arial" panose="020B0604020202020204" pitchFamily="34" charset="0"/>
-              <a:buChar char="•"/>
-            </a:pPr>
-            <a:r>
-              <a:rPr lang="da-DK" dirty="0"/>
-              <a:t>ESP </a:t>
-            </a:r>
-            <a:r>
-              <a:rPr lang="da-DK" dirty="0" err="1"/>
-              <a:t>subscribes</a:t>
-            </a:r>
-            <a:r>
-              <a:rPr lang="da-DK" dirty="0"/>
-              <a:t> to broker to </a:t>
-            </a:r>
-            <a:r>
-              <a:rPr lang="da-DK" dirty="0" err="1"/>
-              <a:t>know</a:t>
-            </a:r>
-            <a:r>
-              <a:rPr lang="da-DK" dirty="0"/>
-              <a:t> </a:t>
-            </a:r>
-            <a:r>
-              <a:rPr lang="da-DK" dirty="0" err="1"/>
-              <a:t>whether</a:t>
-            </a:r>
-            <a:r>
-              <a:rPr lang="da-DK" dirty="0"/>
-              <a:t> to </a:t>
-            </a:r>
-            <a:r>
-              <a:rPr lang="da-DK" dirty="0" err="1"/>
-              <a:t>make</a:t>
-            </a:r>
-            <a:r>
-              <a:rPr lang="da-DK" dirty="0"/>
-              <a:t> </a:t>
-            </a:r>
-            <a:r>
-              <a:rPr lang="da-DK" dirty="0" err="1"/>
-              <a:t>coffee</a:t>
-            </a:r>
-            <a:endParaRPr lang="da-DK" dirty="0"/>
-          </a:p>
-        </p:txBody>
-      </p:sp>
+      </p:pic>
+      <p:grpSp>
+        <p:nvGrpSpPr>
+          <p:cNvPr id="7" name="Gruppe 6">
+            <a:extLst>
+              <a:ext uri="{FF2B5EF4-FFF2-40B4-BE49-F238E27FC236}">
+                <a16:creationId xmlns:a16="http://schemas.microsoft.com/office/drawing/2014/main" id="{A7F1EF44-9DED-9043-58C6-0A547538B594}"/>
+              </a:ext>
+            </a:extLst>
+          </p:cNvPr>
+          <p:cNvGrpSpPr/>
+          <p:nvPr/>
+        </p:nvGrpSpPr>
+        <p:grpSpPr>
+          <a:xfrm>
+            <a:off x="7511007" y="1676400"/>
+            <a:ext cx="4206585" cy="4670418"/>
+            <a:chOff x="5343815" y="1676400"/>
+            <a:chExt cx="4206585" cy="4670418"/>
+          </a:xfrm>
+        </p:grpSpPr>
+        <p:pic>
+          <p:nvPicPr>
+            <p:cNvPr id="2052" name="Picture 4" descr="Ingen tilgængelig beskrivelse.">
+              <a:extLst>
+                <a:ext uri="{FF2B5EF4-FFF2-40B4-BE49-F238E27FC236}">
+                  <a16:creationId xmlns:a16="http://schemas.microsoft.com/office/drawing/2014/main" id="{9F05F5E2-EC5D-3ACE-7DCF-D2935A96857D}"/>
+                </a:ext>
+              </a:extLst>
+            </p:cNvPr>
+            <p:cNvPicPr>
+              <a:picLocks noChangeAspect="1" noChangeArrowheads="1"/>
+            </p:cNvPicPr>
+            <p:nvPr/>
+          </p:nvPicPr>
+          <p:blipFill>
+            <a:blip r:embed="rId5">
+              <a:extLst>
+                <a:ext uri="{28A0092B-C50C-407E-A947-70E740481C1C}">
+                  <a14:useLocalDpi xmlns:a14="http://schemas.microsoft.com/office/drawing/2010/main" val="0"/>
+                </a:ext>
+              </a:extLst>
+            </a:blip>
+            <a:srcRect/>
+            <a:stretch>
+              <a:fillRect/>
+            </a:stretch>
+          </p:blipFill>
+          <p:spPr bwMode="auto">
+            <a:xfrm>
+              <a:off x="5343815" y="1676400"/>
+              <a:ext cx="4206585" cy="2361894"/>
+            </a:xfrm>
+            <a:prstGeom prst="rect">
+              <a:avLst/>
+            </a:prstGeom>
+            <a:noFill/>
+            <a:extLst>
+              <a:ext uri="{909E8E84-426E-40DD-AFC4-6F175D3DCCD1}">
+                <a14:hiddenFill xmlns:a14="http://schemas.microsoft.com/office/drawing/2010/main">
+                  <a:solidFill>
+                    <a:srgbClr val="FFFFFF"/>
+                  </a:solidFill>
+                </a14:hiddenFill>
+              </a:ext>
+            </a:extLst>
+          </p:spPr>
+        </p:pic>
+        <p:pic>
+          <p:nvPicPr>
+            <p:cNvPr id="2054" name="Picture 6" descr="Ingen tilgængelig beskrivelse.">
+              <a:extLst>
+                <a:ext uri="{FF2B5EF4-FFF2-40B4-BE49-F238E27FC236}">
+                  <a16:creationId xmlns:a16="http://schemas.microsoft.com/office/drawing/2014/main" id="{4EC4C496-6A79-D3F2-7E4D-11B0E7307291}"/>
+                </a:ext>
+              </a:extLst>
+            </p:cNvPr>
+            <p:cNvPicPr>
+              <a:picLocks noChangeAspect="1" noChangeArrowheads="1"/>
+            </p:cNvPicPr>
+            <p:nvPr/>
+          </p:nvPicPr>
+          <p:blipFill>
+            <a:blip r:embed="rId6">
+              <a:extLst>
+                <a:ext uri="{28A0092B-C50C-407E-A947-70E740481C1C}">
+                  <a14:useLocalDpi xmlns:a14="http://schemas.microsoft.com/office/drawing/2010/main" val="0"/>
+                </a:ext>
+              </a:extLst>
+            </a:blip>
+            <a:srcRect/>
+            <a:stretch>
+              <a:fillRect/>
+            </a:stretch>
+          </p:blipFill>
+          <p:spPr bwMode="auto">
+            <a:xfrm>
+              <a:off x="5343816" y="4016382"/>
+              <a:ext cx="4206584" cy="2330436"/>
+            </a:xfrm>
+            <a:prstGeom prst="rect">
+              <a:avLst/>
+            </a:prstGeom>
+            <a:noFill/>
+            <a:extLst>
+              <a:ext uri="{909E8E84-426E-40DD-AFC4-6F175D3DCCD1}">
+                <a14:hiddenFill xmlns:a14="http://schemas.microsoft.com/office/drawing/2010/main">
+                  <a:solidFill>
+                    <a:srgbClr val="FFFFFF"/>
+                  </a:solidFill>
+                </a14:hiddenFill>
+              </a:ext>
+            </a:extLst>
+          </p:spPr>
+        </p:pic>
+        <p:pic>
+          <p:nvPicPr>
+            <p:cNvPr id="2056" name="Picture 8" descr="Ingen tilgængelig beskrivelse.">
+              <a:extLst>
+                <a:ext uri="{FF2B5EF4-FFF2-40B4-BE49-F238E27FC236}">
+                  <a16:creationId xmlns:a16="http://schemas.microsoft.com/office/drawing/2014/main" id="{09D5AA15-AF39-672C-C764-0CE5530130A9}"/>
+                </a:ext>
+              </a:extLst>
+            </p:cNvPr>
+            <p:cNvPicPr>
+              <a:picLocks noChangeAspect="1" noChangeArrowheads="1"/>
+            </p:cNvPicPr>
+            <p:nvPr/>
+          </p:nvPicPr>
+          <p:blipFill rotWithShape="1">
+            <a:blip r:embed="rId6">
+              <a:extLst>
+                <a:ext uri="{28A0092B-C50C-407E-A947-70E740481C1C}">
+                  <a14:useLocalDpi xmlns:a14="http://schemas.microsoft.com/office/drawing/2010/main" val="0"/>
+                </a:ext>
+              </a:extLst>
+            </a:blip>
+            <a:srcRect l="70313" t="27274" r="13638" b="59616"/>
+            <a:stretch/>
+          </p:blipFill>
+          <p:spPr bwMode="auto">
+            <a:xfrm>
+              <a:off x="8460509" y="1707858"/>
+              <a:ext cx="1089891" cy="361087"/>
+            </a:xfrm>
+            <a:prstGeom prst="rect">
+              <a:avLst/>
+            </a:prstGeom>
+            <a:noFill/>
+            <a:extLst>
+              <a:ext uri="{909E8E84-426E-40DD-AFC4-6F175D3DCCD1}">
+                <a14:hiddenFill xmlns:a14="http://schemas.microsoft.com/office/drawing/2010/main">
+                  <a:solidFill>
+                    <a:srgbClr val="FFFFFF"/>
+                  </a:solidFill>
+                </a14:hiddenFill>
+              </a:ext>
+            </a:extLst>
+          </p:spPr>
+        </p:pic>
+        <p:pic>
+          <p:nvPicPr>
+            <p:cNvPr id="4" name="Picture 8" descr="Ingen tilgængelig beskrivelse.">
+              <a:extLst>
+                <a:ext uri="{FF2B5EF4-FFF2-40B4-BE49-F238E27FC236}">
+                  <a16:creationId xmlns:a16="http://schemas.microsoft.com/office/drawing/2014/main" id="{B033FA7C-91E1-F201-ADFF-13C66C9AB7D4}"/>
+                </a:ext>
+              </a:extLst>
+            </p:cNvPr>
+            <p:cNvPicPr>
+              <a:picLocks noChangeAspect="1" noChangeArrowheads="1"/>
+            </p:cNvPicPr>
+            <p:nvPr/>
+          </p:nvPicPr>
+          <p:blipFill rotWithShape="1">
+            <a:blip r:embed="rId6">
+              <a:extLst>
+                <a:ext uri="{28A0092B-C50C-407E-A947-70E740481C1C}">
+                  <a14:useLocalDpi xmlns:a14="http://schemas.microsoft.com/office/drawing/2010/main" val="0"/>
+                </a:ext>
+              </a:extLst>
+            </a:blip>
+            <a:srcRect l="70313" t="27274" r="13638" b="59616"/>
+            <a:stretch/>
+          </p:blipFill>
+          <p:spPr bwMode="auto">
+            <a:xfrm>
+              <a:off x="8460509" y="4016382"/>
+              <a:ext cx="1089891" cy="361087"/>
+            </a:xfrm>
+            <a:prstGeom prst="rect">
+              <a:avLst/>
+            </a:prstGeom>
+            <a:noFill/>
+            <a:extLst>
+              <a:ext uri="{909E8E84-426E-40DD-AFC4-6F175D3DCCD1}">
+                <a14:hiddenFill xmlns:a14="http://schemas.microsoft.com/office/drawing/2010/main">
+                  <a:solidFill>
+                    <a:srgbClr val="FFFFFF"/>
+                  </a:solidFill>
+                </a14:hiddenFill>
+              </a:ext>
+            </a:extLst>
+          </p:spPr>
+        </p:pic>
+      </p:grpSp>
       <p:pic>
         <p:nvPicPr>
-          <p:cNvPr id="11" name="Billede 10">
-            <a:extLst>
-              <a:ext uri="{FF2B5EF4-FFF2-40B4-BE49-F238E27FC236}">
-                <a16:creationId xmlns:a16="http://schemas.microsoft.com/office/drawing/2014/main" id="{E301947D-3FC2-46EA-A973-6D40AC2843F7}"/>
+          <p:cNvPr id="2058" name="Picture 10" descr="Ingen tilgængelig beskrivelse.">
+            <a:extLst>
+              <a:ext uri="{FF2B5EF4-FFF2-40B4-BE49-F238E27FC236}">
+                <a16:creationId xmlns:a16="http://schemas.microsoft.com/office/drawing/2014/main" id="{FF633D22-91FF-B535-7D4A-DFF44BDC731C}"/>
+              </a:ext>
+            </a:extLst>
+          </p:cNvPr>
+          <p:cNvPicPr>
+            <a:picLocks noChangeAspect="1" noChangeArrowheads="1"/>
+          </p:cNvPicPr>
+          <p:nvPr/>
+        </p:nvPicPr>
+        <p:blipFill>
+          <a:blip r:embed="rId7">
+            <a:extLst>
+              <a:ext uri="{28A0092B-C50C-407E-A947-70E740481C1C}">
+                <a14:useLocalDpi xmlns:a14="http://schemas.microsoft.com/office/drawing/2010/main" val="0"/>
+              </a:ext>
+            </a:extLst>
+          </a:blip>
+          <a:srcRect/>
+          <a:stretch>
+            <a:fillRect/>
+          </a:stretch>
+        </p:blipFill>
+        <p:spPr bwMode="auto">
+          <a:xfrm>
+            <a:off x="474408" y="4652237"/>
+            <a:ext cx="6521570" cy="1694581"/>
+          </a:xfrm>
+          <a:prstGeom prst="rect">
+            <a:avLst/>
+          </a:prstGeom>
+          <a:noFill/>
+          <a:extLst>
+            <a:ext uri="{909E8E84-426E-40DD-AFC4-6F175D3DCCD1}">
+              <a14:hiddenFill xmlns:a14="http://schemas.microsoft.com/office/drawing/2010/main">
+                <a:solidFill>
+                  <a:srgbClr val="FFFFFF"/>
+                </a:solidFill>
+              </a14:hiddenFill>
+            </a:ext>
+          </a:extLst>
+        </p:spPr>
+      </p:pic>
+      <p:pic>
+        <p:nvPicPr>
+          <p:cNvPr id="2068" name="Picture 20" descr="Hall Effect Sensor at Rs 7/piece | Hall Effect Sensors in Delhi | ID:  14080661312">
+            <a:extLst>
+              <a:ext uri="{FF2B5EF4-FFF2-40B4-BE49-F238E27FC236}">
+                <a16:creationId xmlns:a16="http://schemas.microsoft.com/office/drawing/2014/main" id="{E0AAB536-471D-5816-1A5A-8CFD529F2483}"/>
+              </a:ext>
+            </a:extLst>
+          </p:cNvPr>
+          <p:cNvPicPr>
+            <a:picLocks noChangeAspect="1" noChangeArrowheads="1"/>
+          </p:cNvPicPr>
+          <p:nvPr/>
+        </p:nvPicPr>
+        <p:blipFill>
+          <a:blip r:embed="rId8">
+            <a:extLst>
+              <a:ext uri="{28A0092B-C50C-407E-A947-70E740481C1C}">
+                <a14:useLocalDpi xmlns:a14="http://schemas.microsoft.com/office/drawing/2010/main" val="0"/>
+              </a:ext>
+            </a:extLst>
+          </a:blip>
+          <a:srcRect/>
+          <a:stretch>
+            <a:fillRect/>
+          </a:stretch>
+        </p:blipFill>
+        <p:spPr bwMode="auto">
+          <a:xfrm>
+            <a:off x="4568260" y="1888401"/>
+            <a:ext cx="2381250" cy="2381250"/>
+          </a:xfrm>
+          <a:prstGeom prst="rect">
+            <a:avLst/>
+          </a:prstGeom>
+          <a:noFill/>
+          <a:extLst>
+            <a:ext uri="{909E8E84-426E-40DD-AFC4-6F175D3DCCD1}">
+              <a14:hiddenFill xmlns:a14="http://schemas.microsoft.com/office/drawing/2010/main">
+                <a:solidFill>
+                  <a:srgbClr val="FFFFFF"/>
+                </a:solidFill>
+              </a14:hiddenFill>
+            </a:ext>
+          </a:extLst>
+        </p:spPr>
+      </p:pic>
+      <p:pic>
+        <p:nvPicPr>
+          <p:cNvPr id="12" name="Billede 11">
+            <a:extLst>
+              <a:ext uri="{FF2B5EF4-FFF2-40B4-BE49-F238E27FC236}">
+                <a16:creationId xmlns:a16="http://schemas.microsoft.com/office/drawing/2014/main" id="{37F35321-4CEF-9C48-BE5A-4AAA69E5F48E}"/>
               </a:ext>
             </a:extLst>
           </p:cNvPr>
@@ -12413,15 +12795,15 @@
           <p:nvPr/>
         </p:nvPicPr>
         <p:blipFill>
-          <a:blip r:embed="rId2"/>
+          <a:blip r:embed="rId9"/>
           <a:stretch>
             <a:fillRect/>
           </a:stretch>
         </p:blipFill>
         <p:spPr>
-          <a:xfrm>
-            <a:off x="1723430" y="1650596"/>
-            <a:ext cx="4705079" cy="4824095"/>
+          <a:xfrm rot="16200000">
+            <a:off x="4707600" y="2724032"/>
+            <a:ext cx="1494607" cy="1494607"/>
           </a:xfrm>
           <a:prstGeom prst="rect">
             <a:avLst/>
@@ -12431,7 +12813,7 @@
     </p:spTree>
     <p:extLst>
       <p:ext uri="{BB962C8B-B14F-4D97-AF65-F5344CB8AC3E}">
-        <p14:creationId xmlns:p14="http://schemas.microsoft.com/office/powerpoint/2010/main" val="2520854865"/>
+        <p14:creationId xmlns:p14="http://schemas.microsoft.com/office/powerpoint/2010/main" val="3499866628"/>
       </p:ext>
     </p:extLst>
   </p:cSld>
@@ -12486,13 +12868,180 @@
           <a:p>
             <a:r>
               <a:rPr lang="da-DK" dirty="0"/>
-              <a:t>Prototype </a:t>
-            </a:r>
-            <a:r>
-              <a:rPr lang="da-DK" dirty="0" err="1"/>
-              <a:t>example</a:t>
-            </a:r>
-            <a:endParaRPr lang="da-DK" dirty="0"/>
+              <a:t>Prototype</a:t>
+            </a:r>
+          </a:p>
+        </p:txBody>
+      </p:sp>
+      <p:pic>
+        <p:nvPicPr>
+          <p:cNvPr id="4" name="Billede 3">
+            <a:extLst>
+              <a:ext uri="{FF2B5EF4-FFF2-40B4-BE49-F238E27FC236}">
+                <a16:creationId xmlns:a16="http://schemas.microsoft.com/office/drawing/2014/main" id="{5CA1319E-5B38-4E24-F272-1ED713264660}"/>
+              </a:ext>
+            </a:extLst>
+          </p:cNvPr>
+          <p:cNvPicPr>
+            <a:picLocks noChangeAspect="1"/>
+          </p:cNvPicPr>
+          <p:nvPr/>
+        </p:nvPicPr>
+        <p:blipFill>
+          <a:blip r:embed="rId2"/>
+          <a:stretch>
+            <a:fillRect/>
+          </a:stretch>
+        </p:blipFill>
+        <p:spPr>
+          <a:xfrm>
+            <a:off x="1524000" y="2207708"/>
+            <a:ext cx="3359554" cy="2849759"/>
+          </a:xfrm>
+          <a:prstGeom prst="rect">
+            <a:avLst/>
+          </a:prstGeom>
+        </p:spPr>
+      </p:pic>
+      <p:pic>
+        <p:nvPicPr>
+          <p:cNvPr id="1026" name="Picture 2">
+            <a:extLst>
+              <a:ext uri="{FF2B5EF4-FFF2-40B4-BE49-F238E27FC236}">
+                <a16:creationId xmlns:a16="http://schemas.microsoft.com/office/drawing/2014/main" id="{A93BA2CB-98DC-A80B-D50C-9E62DD31D6EF}"/>
+              </a:ext>
+            </a:extLst>
+          </p:cNvPr>
+          <p:cNvPicPr>
+            <a:picLocks noChangeAspect="1" noChangeArrowheads="1"/>
+          </p:cNvPicPr>
+          <p:nvPr/>
+        </p:nvPicPr>
+        <p:blipFill>
+          <a:blip r:embed="rId3">
+            <a:extLst>
+              <a:ext uri="{28A0092B-C50C-407E-A947-70E740481C1C}">
+                <a14:useLocalDpi xmlns:a14="http://schemas.microsoft.com/office/drawing/2010/main" val="0"/>
+              </a:ext>
+            </a:extLst>
+          </a:blip>
+          <a:srcRect/>
+          <a:stretch>
+            <a:fillRect/>
+          </a:stretch>
+        </p:blipFill>
+        <p:spPr bwMode="auto">
+          <a:xfrm>
+            <a:off x="4030537" y="1655617"/>
+            <a:ext cx="1251485" cy="1251485"/>
+          </a:xfrm>
+          <a:prstGeom prst="rect">
+            <a:avLst/>
+          </a:prstGeom>
+          <a:noFill/>
+          <a:extLst>
+            <a:ext uri="{909E8E84-426E-40DD-AFC4-6F175D3DCCD1}">
+              <a14:hiddenFill xmlns:a14="http://schemas.microsoft.com/office/drawing/2010/main">
+                <a:solidFill>
+                  <a:srgbClr val="FFFFFF"/>
+                </a:solidFill>
+              </a14:hiddenFill>
+            </a:ext>
+          </a:extLst>
+        </p:spPr>
+      </p:pic>
+      <p:pic>
+        <p:nvPicPr>
+          <p:cNvPr id="6" name="Billede 5">
+            <a:extLst>
+              <a:ext uri="{FF2B5EF4-FFF2-40B4-BE49-F238E27FC236}">
+                <a16:creationId xmlns:a16="http://schemas.microsoft.com/office/drawing/2014/main" id="{7B1624E1-74DB-2E92-BCAB-F9471E1563AB}"/>
+              </a:ext>
+            </a:extLst>
+          </p:cNvPr>
+          <p:cNvPicPr>
+            <a:picLocks noChangeAspect="1"/>
+          </p:cNvPicPr>
+          <p:nvPr/>
+        </p:nvPicPr>
+        <p:blipFill>
+          <a:blip r:embed="rId4"/>
+          <a:stretch>
+            <a:fillRect/>
+          </a:stretch>
+        </p:blipFill>
+        <p:spPr>
+          <a:xfrm>
+            <a:off x="5500699" y="1514763"/>
+            <a:ext cx="2287860" cy="5126182"/>
+          </a:xfrm>
+          <a:prstGeom prst="rect">
+            <a:avLst/>
+          </a:prstGeom>
+        </p:spPr>
+      </p:pic>
+      <p:pic>
+        <p:nvPicPr>
+          <p:cNvPr id="9" name="Billede 8">
+            <a:extLst>
+              <a:ext uri="{FF2B5EF4-FFF2-40B4-BE49-F238E27FC236}">
+                <a16:creationId xmlns:a16="http://schemas.microsoft.com/office/drawing/2014/main" id="{347156FA-CA94-F3E1-97DF-F0B91F71D509}"/>
+              </a:ext>
+            </a:extLst>
+          </p:cNvPr>
+          <p:cNvPicPr>
+            <a:picLocks noChangeAspect="1"/>
+          </p:cNvPicPr>
+          <p:nvPr/>
+        </p:nvPicPr>
+        <p:blipFill>
+          <a:blip r:embed="rId4"/>
+          <a:stretch>
+            <a:fillRect/>
+          </a:stretch>
+        </p:blipFill>
+        <p:spPr>
+          <a:xfrm>
+            <a:off x="8860253" y="1514763"/>
+            <a:ext cx="2287860" cy="5126182"/>
+          </a:xfrm>
+          <a:prstGeom prst="rect">
+            <a:avLst/>
+          </a:prstGeom>
+        </p:spPr>
+      </p:pic>
+      <p:sp>
+        <p:nvSpPr>
+          <p:cNvPr id="10" name="Tekstfelt 9">
+            <a:extLst>
+              <a:ext uri="{FF2B5EF4-FFF2-40B4-BE49-F238E27FC236}">
+                <a16:creationId xmlns:a16="http://schemas.microsoft.com/office/drawing/2014/main" id="{5F91CA34-263E-3AC2-8591-BB14DF9A3E93}"/>
+              </a:ext>
+            </a:extLst>
+          </p:cNvPr>
+          <p:cNvSpPr txBox="1"/>
+          <p:nvPr/>
+        </p:nvSpPr>
+        <p:spPr>
+          <a:xfrm>
+            <a:off x="9768597" y="5081627"/>
+            <a:ext cx="471172" cy="261610"/>
+          </a:xfrm>
+          <a:prstGeom prst="rect">
+            <a:avLst/>
+          </a:prstGeom>
+          <a:noFill/>
+        </p:spPr>
+        <p:txBody>
+          <a:bodyPr wrap="square" rtlCol="0">
+            <a:spAutoFit/>
+          </a:bodyPr>
+          <a:lstStyle/>
+          <a:p>
+            <a:r>
+              <a:rPr lang="da-DK" sz="1050" dirty="0"/>
+              <a:t>Yes!</a:t>
+            </a:r>
           </a:p>
         </p:txBody>
       </p:sp>
@@ -13310,6 +13859,15 @@
 </file>
 
 <file path=customXml/item2.xml><?xml version="1.0" encoding="utf-8"?>
+<p:properties xmlns:p="http://schemas.microsoft.com/office/2006/metadata/properties" xmlns:xsi="http://www.w3.org/2001/XMLSchema-instance" xmlns:pc="http://schemas.microsoft.com/office/infopath/2007/PartnerControls">
+  <documentManagement>
+    <Status xmlns="71af3243-3dd4-4a8d-8c0d-dd76da1f02a5">Not started</Status>
+    <MediaServiceKeyPoints xmlns="71af3243-3dd4-4a8d-8c0d-dd76da1f02a5" xsi:nil="true"/>
+  </documentManagement>
+</p:properties>
+</file>
+
+<file path=customXml/item3.xml><?xml version="1.0" encoding="utf-8"?>
 <ct:contentTypeSchema xmlns:ct="http://schemas.microsoft.com/office/2006/metadata/contentType" xmlns:ma="http://schemas.microsoft.com/office/2006/metadata/properties/metaAttributes" ct:_="" ma:_="" ma:contentTypeName="Document" ma:contentTypeID="0x01010079F111ED35F8CC479449609E8A0923A6" ma:contentTypeVersion="12" ma:contentTypeDescription="Create a new document." ma:contentTypeScope="" ma:versionID="426e97fa315356fffbdcd9876fe988c2">
   <xsd:schema xmlns:xsd="http://www.w3.org/2001/XMLSchema" xmlns:xs="http://www.w3.org/2001/XMLSchema" xmlns:p="http://schemas.microsoft.com/office/2006/metadata/properties" xmlns:ns2="71af3243-3dd4-4a8d-8c0d-dd76da1f02a5" xmlns:ns3="16c05727-aa75-4e4a-9b5f-8a80a1165891" targetNamespace="http://schemas.microsoft.com/office/2006/metadata/properties" ma:root="true" ma:fieldsID="14b8f0def80e6d70ce3def20c90759ae" ns2:_="" ns3:_="">
     <xsd:import namespace="71af3243-3dd4-4a8d-8c0d-dd76da1f02a5"/>
@@ -13530,15 +14088,6 @@
 </ct:contentTypeSchema>
 </file>
 
-<file path=customXml/item3.xml><?xml version="1.0" encoding="utf-8"?>
-<p:properties xmlns:p="http://schemas.microsoft.com/office/2006/metadata/properties" xmlns:xsi="http://www.w3.org/2001/XMLSchema-instance" xmlns:pc="http://schemas.microsoft.com/office/infopath/2007/PartnerControls">
-  <documentManagement>
-    <Status xmlns="71af3243-3dd4-4a8d-8c0d-dd76da1f02a5">Not started</Status>
-    <MediaServiceKeyPoints xmlns="71af3243-3dd4-4a8d-8c0d-dd76da1f02a5" xsi:nil="true"/>
-  </documentManagement>
-</p:properties>
-</file>
-
 <file path=customXml/itemProps1.xml><?xml version="1.0" encoding="utf-8"?>
 <ds:datastoreItem xmlns:ds="http://schemas.openxmlformats.org/officeDocument/2006/customXml" ds:itemID="{3C8E00D1-8EA3-4E42-801D-0253E1EAFC21}">
   <ds:schemaRefs>
@@ -13548,6 +14097,16 @@
 </file>
 
 <file path=customXml/itemProps2.xml><?xml version="1.0" encoding="utf-8"?>
+<ds:datastoreItem xmlns:ds="http://schemas.openxmlformats.org/officeDocument/2006/customXml" ds:itemID="{99919F73-B6C2-4A43-95E2-833EC48925FE}">
+  <ds:schemaRefs>
+    <ds:schemaRef ds:uri="http://schemas.microsoft.com/office/2006/metadata/properties"/>
+    <ds:schemaRef ds:uri="http://schemas.microsoft.com/office/infopath/2007/PartnerControls"/>
+    <ds:schemaRef ds:uri="71af3243-3dd4-4a8d-8c0d-dd76da1f02a5"/>
+  </ds:schemaRefs>
+</ds:datastoreItem>
+</file>
+
+<file path=customXml/itemProps3.xml><?xml version="1.0" encoding="utf-8"?>
 <ds:datastoreItem xmlns:ds="http://schemas.openxmlformats.org/officeDocument/2006/customXml" ds:itemID="{ABC329F5-30EE-4BF7-AA2A-B837B51416B4}">
   <ds:schemaRefs>
     <ds:schemaRef ds:uri="http://schemas.microsoft.com/office/2006/metadata/contentType"/>
@@ -13564,14 +14123,4 @@
     <ds:schemaRef ds:uri="http://schemas.microsoft.com/internal/obd"/>
   </ds:schemaRefs>
 </ds:datastoreItem>
-</file>
-
-<file path=customXml/itemProps3.xml><?xml version="1.0" encoding="utf-8"?>
-<ds:datastoreItem xmlns:ds="http://schemas.openxmlformats.org/officeDocument/2006/customXml" ds:itemID="{99919F73-B6C2-4A43-95E2-833EC48925FE}">
-  <ds:schemaRefs>
-    <ds:schemaRef ds:uri="http://schemas.microsoft.com/office/2006/metadata/properties"/>
-    <ds:schemaRef ds:uri="http://schemas.microsoft.com/office/infopath/2007/PartnerControls"/>
-    <ds:schemaRef ds:uri="71af3243-3dd4-4a8d-8c0d-dd76da1f02a5"/>
-  </ds:schemaRefs>
-</ds:datastoreItem>
 </file>